--- a/Git Tutorial for KYU Students.pptx
+++ b/Git Tutorial for KYU Students.pptx
@@ -23,9 +23,10 @@
     <p:sldId id="273" r:id="rId17"/>
     <p:sldId id="274" r:id="rId18"/>
     <p:sldId id="275" r:id="rId19"/>
-    <p:sldId id="276" r:id="rId20"/>
-    <p:sldId id="277" r:id="rId21"/>
-    <p:sldId id="278" r:id="rId22"/>
+    <p:sldId id="283" r:id="rId20"/>
+    <p:sldId id="276" r:id="rId21"/>
+    <p:sldId id="277" r:id="rId22"/>
+    <p:sldId id="278" r:id="rId23"/>
   </p:sldIdLst>
   <p:sldSz cx="12192000" cy="6858000"/>
   <p:notesSz cx="6858000" cy="9144000"/>
@@ -126,7 +127,7 @@
   </p:defaultTextStyle>
   <p:extLst>
     <p:ext uri="{EFAFB233-063F-42B5-8137-9DF3F51BA10A}">
-      <p15:sldGuideLst xmlns:p15="http://schemas.microsoft.com/office/powerpoint/2012/main"/>
+      <p15:sldGuideLst xmlns:p15="http://schemas.microsoft.com/office/powerpoint/2012/main" xmlns=""/>
     </p:ext>
   </p:extLst>
 </p:presentation>
@@ -886,7 +887,7 @@
           <a:p>
             <a:fld id="{4189F39B-079D-47AA-A7AF-86FE0D3999B2}" type="datetimeFigureOut">
               <a:rPr lang="ko-KR" altLang="en-US" smtClean="0"/>
-              <a:t>2019-05-29</a:t>
+              <a:t>2019-05-31</a:t>
             </a:fld>
             <a:endParaRPr lang="ko-KR" altLang="en-US"/>
           </a:p>
@@ -1323,7 +1324,7 @@
           <a:p>
             <a:fld id="{4189F39B-079D-47AA-A7AF-86FE0D3999B2}" type="datetimeFigureOut">
               <a:rPr lang="ko-KR" altLang="en-US" smtClean="0"/>
-              <a:t>2019-05-29</a:t>
+              <a:t>2019-05-31</a:t>
             </a:fld>
             <a:endParaRPr lang="ko-KR" altLang="en-US"/>
           </a:p>
@@ -2374,7 +2375,7 @@
           <a:p>
             <a:fld id="{4189F39B-079D-47AA-A7AF-86FE0D3999B2}" type="datetimeFigureOut">
               <a:rPr lang="ko-KR" altLang="en-US" smtClean="0"/>
-              <a:t>2019-05-29</a:t>
+              <a:t>2019-05-31</a:t>
             </a:fld>
             <a:endParaRPr lang="ko-KR" altLang="en-US"/>
           </a:p>
@@ -2564,7 +2565,7 @@
           <a:p>
             <a:fld id="{4189F39B-079D-47AA-A7AF-86FE0D3999B2}" type="datetimeFigureOut">
               <a:rPr lang="ko-KR" altLang="en-US" smtClean="0"/>
-              <a:t>2019-05-29</a:t>
+              <a:t>2019-05-31</a:t>
             </a:fld>
             <a:endParaRPr lang="ko-KR" altLang="en-US"/>
           </a:p>
@@ -3086,7 +3087,7 @@
           <a:p>
             <a:fld id="{4189F39B-079D-47AA-A7AF-86FE0D3999B2}" type="datetimeFigureOut">
               <a:rPr lang="ko-KR" altLang="en-US" smtClean="0"/>
-              <a:t>2019-05-29</a:t>
+              <a:t>2019-05-31</a:t>
             </a:fld>
             <a:endParaRPr lang="ko-KR" altLang="en-US"/>
           </a:p>
@@ -3523,7 +3524,7 @@
           <a:p>
             <a:fld id="{4189F39B-079D-47AA-A7AF-86FE0D3999B2}" type="datetimeFigureOut">
               <a:rPr lang="ko-KR" altLang="en-US" smtClean="0"/>
-              <a:t>2019-05-29</a:t>
+              <a:t>2019-05-31</a:t>
             </a:fld>
             <a:endParaRPr lang="ko-KR" altLang="en-US"/>
           </a:p>
@@ -4217,7 +4218,7 @@
           <a:p>
             <a:fld id="{4189F39B-079D-47AA-A7AF-86FE0D3999B2}" type="datetimeFigureOut">
               <a:rPr lang="ko-KR" altLang="en-US" smtClean="0"/>
-              <a:t>2019-05-29</a:t>
+              <a:t>2019-05-31</a:t>
             </a:fld>
             <a:endParaRPr lang="ko-KR" altLang="en-US"/>
           </a:p>
@@ -4556,7 +4557,7 @@
           <a:p>
             <a:fld id="{4189F39B-079D-47AA-A7AF-86FE0D3999B2}" type="datetimeFigureOut">
               <a:rPr lang="ko-KR" altLang="en-US" smtClean="0"/>
-              <a:t>2019-05-29</a:t>
+              <a:t>2019-05-31</a:t>
             </a:fld>
             <a:endParaRPr lang="ko-KR" altLang="en-US"/>
           </a:p>
@@ -4835,7 +4836,7 @@
           <a:p>
             <a:fld id="{4189F39B-079D-47AA-A7AF-86FE0D3999B2}" type="datetimeFigureOut">
               <a:rPr lang="ko-KR" altLang="en-US" smtClean="0"/>
-              <a:t>2019-05-29</a:t>
+              <a:t>2019-05-31</a:t>
             </a:fld>
             <a:endParaRPr lang="ko-KR" altLang="en-US"/>
           </a:p>
@@ -5487,7 +5488,7 @@
           <a:p>
             <a:fld id="{4189F39B-079D-47AA-A7AF-86FE0D3999B2}" type="datetimeFigureOut">
               <a:rPr lang="ko-KR" altLang="en-US" smtClean="0"/>
-              <a:t>2019-05-29</a:t>
+              <a:t>2019-05-31</a:t>
             </a:fld>
             <a:endParaRPr lang="ko-KR" altLang="en-US"/>
           </a:p>
@@ -5912,7 +5913,7 @@
           <a:p>
             <a:fld id="{4189F39B-079D-47AA-A7AF-86FE0D3999B2}" type="datetimeFigureOut">
               <a:rPr lang="ko-KR" altLang="en-US" smtClean="0"/>
-              <a:t>2019-05-29</a:t>
+              <a:t>2019-05-31</a:t>
             </a:fld>
             <a:endParaRPr lang="ko-KR" altLang="en-US"/>
           </a:p>
@@ -10206,7 +10207,7 @@
           <a:p>
             <a:fld id="{4189F39B-079D-47AA-A7AF-86FE0D3999B2}" type="datetimeFigureOut">
               <a:rPr lang="ko-KR" altLang="en-US" smtClean="0"/>
-              <a:t>2019-05-29</a:t>
+              <a:t>2019-05-31</a:t>
             </a:fld>
             <a:endParaRPr lang="ko-KR" altLang="en-US"/>
           </a:p>
@@ -10658,7 +10659,7 @@
           <p:cNvPr id="2" name="제목 1">
             <a:extLst>
               <a:ext uri="{FF2B5EF4-FFF2-40B4-BE49-F238E27FC236}">
-                <a16:creationId xmlns:a16="http://schemas.microsoft.com/office/drawing/2014/main" id="{271E6367-3516-46E2-9F80-00400C5FBAF2}"/>
+                <a16:creationId xmlns:a16="http://schemas.microsoft.com/office/drawing/2014/main" xmlns="" id="{271E6367-3516-46E2-9F80-00400C5FBAF2}"/>
               </a:ext>
             </a:extLst>
           </p:cNvPr>
@@ -10689,7 +10690,7 @@
           <p:cNvPr id="3" name="부제목 2">
             <a:extLst>
               <a:ext uri="{FF2B5EF4-FFF2-40B4-BE49-F238E27FC236}">
-                <a16:creationId xmlns:a16="http://schemas.microsoft.com/office/drawing/2014/main" id="{8331EE08-38E0-4752-B06F-7DCCB67C715B}"/>
+                <a16:creationId xmlns:a16="http://schemas.microsoft.com/office/drawing/2014/main" xmlns="" id="{8331EE08-38E0-4752-B06F-7DCCB67C715B}"/>
               </a:ext>
             </a:extLst>
           </p:cNvPr>
@@ -10712,6 +10713,12 @@
           </a:bodyPr>
           <a:lstStyle/>
           <a:p>
+            <a:r>
+              <a:rPr lang="en-US" altLang="ko-KR" dirty="0">
+                <a:hlinkClick r:id="rId2"/>
+              </a:rPr>
+              <a:t/>
+            </a:r>
             <a:br>
               <a:rPr lang="en-US" altLang="ko-KR" dirty="0">
                 <a:hlinkClick r:id="rId2"/>
@@ -10742,6 +10749,13 @@
   <p:clrMapOvr>
     <a:masterClrMapping/>
   </p:clrMapOvr>
+  <p:timing>
+    <p:tnLst>
+      <p:par>
+        <p:cTn id="1" dur="indefinite" restart="never" nodeType="tmRoot"/>
+      </p:par>
+    </p:tnLst>
+  </p:timing>
 </p:sld>
 </file>
 
@@ -10767,7 +10781,7 @@
           <p:cNvPr id="2" name="제목 1">
             <a:extLst>
               <a:ext uri="{FF2B5EF4-FFF2-40B4-BE49-F238E27FC236}">
-                <a16:creationId xmlns:a16="http://schemas.microsoft.com/office/drawing/2014/main" id="{06C71727-33B8-4903-9A11-C92A73468FCF}"/>
+                <a16:creationId xmlns:a16="http://schemas.microsoft.com/office/drawing/2014/main" xmlns="" id="{06C71727-33B8-4903-9A11-C92A73468FCF}"/>
               </a:ext>
             </a:extLst>
           </p:cNvPr>
@@ -10796,7 +10810,7 @@
           <p:cNvPr id="4" name="내용 개체 틀 3">
             <a:extLst>
               <a:ext uri="{FF2B5EF4-FFF2-40B4-BE49-F238E27FC236}">
-                <a16:creationId xmlns:a16="http://schemas.microsoft.com/office/drawing/2014/main" id="{9F43CA50-755C-425A-B961-7CCFB319AFFD}"/>
+                <a16:creationId xmlns:a16="http://schemas.microsoft.com/office/drawing/2014/main" xmlns="" id="{9F43CA50-755C-425A-B961-7CCFB319AFFD}"/>
               </a:ext>
             </a:extLst>
           </p:cNvPr>
@@ -10833,6 +10847,13 @@
   <p:clrMapOvr>
     <a:masterClrMapping/>
   </p:clrMapOvr>
+  <p:timing>
+    <p:tnLst>
+      <p:par>
+        <p:cTn id="1" dur="indefinite" restart="never" nodeType="tmRoot"/>
+      </p:par>
+    </p:tnLst>
+  </p:timing>
 </p:sld>
 </file>
 
@@ -10858,7 +10879,7 @@
           <p:cNvPr id="2" name="제목 1">
             <a:extLst>
               <a:ext uri="{FF2B5EF4-FFF2-40B4-BE49-F238E27FC236}">
-                <a16:creationId xmlns:a16="http://schemas.microsoft.com/office/drawing/2014/main" id="{8827A24A-83C6-4801-80D0-DB39CCD32EDD}"/>
+                <a16:creationId xmlns:a16="http://schemas.microsoft.com/office/drawing/2014/main" xmlns="" id="{8827A24A-83C6-4801-80D0-DB39CCD32EDD}"/>
               </a:ext>
             </a:extLst>
           </p:cNvPr>
@@ -10886,7 +10907,7 @@
           <p:cNvPr id="4" name="내용 개체 틀 3">
             <a:extLst>
               <a:ext uri="{FF2B5EF4-FFF2-40B4-BE49-F238E27FC236}">
-                <a16:creationId xmlns:a16="http://schemas.microsoft.com/office/drawing/2014/main" id="{983E8757-636A-4210-864E-98FC8BDD44CC}"/>
+                <a16:creationId xmlns:a16="http://schemas.microsoft.com/office/drawing/2014/main" xmlns="" id="{983E8757-636A-4210-864E-98FC8BDD44CC}"/>
               </a:ext>
             </a:extLst>
           </p:cNvPr>
@@ -10923,6 +10944,13 @@
   <p:clrMapOvr>
     <a:masterClrMapping/>
   </p:clrMapOvr>
+  <p:timing>
+    <p:tnLst>
+      <p:par>
+        <p:cTn id="1" dur="indefinite" restart="never" nodeType="tmRoot"/>
+      </p:par>
+    </p:tnLst>
+  </p:timing>
 </p:sld>
 </file>
 
@@ -10948,7 +10976,7 @@
           <p:cNvPr id="4" name="내용 개체 틀 3">
             <a:extLst>
               <a:ext uri="{FF2B5EF4-FFF2-40B4-BE49-F238E27FC236}">
-                <a16:creationId xmlns:a16="http://schemas.microsoft.com/office/drawing/2014/main" id="{0006335D-479C-4D7B-B4BA-8A5D7E266371}"/>
+                <a16:creationId xmlns:a16="http://schemas.microsoft.com/office/drawing/2014/main" xmlns="" id="{0006335D-479C-4D7B-B4BA-8A5D7E266371}"/>
               </a:ext>
             </a:extLst>
           </p:cNvPr>
@@ -10985,6 +11013,13 @@
   <p:clrMapOvr>
     <a:masterClrMapping/>
   </p:clrMapOvr>
+  <p:timing>
+    <p:tnLst>
+      <p:par>
+        <p:cTn id="1" dur="indefinite" restart="never" nodeType="tmRoot"/>
+      </p:par>
+    </p:tnLst>
+  </p:timing>
 </p:sld>
 </file>
 
@@ -11010,7 +11045,7 @@
           <p:cNvPr id="4" name="그림 3">
             <a:extLst>
               <a:ext uri="{FF2B5EF4-FFF2-40B4-BE49-F238E27FC236}">
-                <a16:creationId xmlns:a16="http://schemas.microsoft.com/office/drawing/2014/main" id="{D75E31CC-0CCD-4DCD-B4DD-34DF894EBA3B}"/>
+                <a16:creationId xmlns:a16="http://schemas.microsoft.com/office/drawing/2014/main" xmlns="" id="{D75E31CC-0CCD-4DCD-B4DD-34DF894EBA3B}"/>
               </a:ext>
             </a:extLst>
           </p:cNvPr>
@@ -11045,6 +11080,13 @@
   <p:clrMapOvr>
     <a:masterClrMapping/>
   </p:clrMapOvr>
+  <p:timing>
+    <p:tnLst>
+      <p:par>
+        <p:cTn id="1" dur="indefinite" restart="never" nodeType="tmRoot"/>
+      </p:par>
+    </p:tnLst>
+  </p:timing>
 </p:sld>
 </file>
 
@@ -11070,7 +11112,7 @@
           <p:cNvPr id="2" name="제목 1">
             <a:extLst>
               <a:ext uri="{FF2B5EF4-FFF2-40B4-BE49-F238E27FC236}">
-                <a16:creationId xmlns:a16="http://schemas.microsoft.com/office/drawing/2014/main" id="{B159939E-B06C-4DD1-B08E-E9AAB2D451C1}"/>
+                <a16:creationId xmlns:a16="http://schemas.microsoft.com/office/drawing/2014/main" xmlns="" id="{B159939E-B06C-4DD1-B08E-E9AAB2D451C1}"/>
               </a:ext>
             </a:extLst>
           </p:cNvPr>
@@ -11099,7 +11141,7 @@
           <p:cNvPr id="4" name="그림 3">
             <a:extLst>
               <a:ext uri="{FF2B5EF4-FFF2-40B4-BE49-F238E27FC236}">
-                <a16:creationId xmlns:a16="http://schemas.microsoft.com/office/drawing/2014/main" id="{5CD17B98-E3AD-4945-8151-44DD1CCFB3C8}"/>
+                <a16:creationId xmlns:a16="http://schemas.microsoft.com/office/drawing/2014/main" xmlns="" id="{5CD17B98-E3AD-4945-8151-44DD1CCFB3C8}"/>
               </a:ext>
             </a:extLst>
           </p:cNvPr>
@@ -11134,6 +11176,13 @@
   <p:clrMapOvr>
     <a:masterClrMapping/>
   </p:clrMapOvr>
+  <p:timing>
+    <p:tnLst>
+      <p:par>
+        <p:cTn id="1" dur="indefinite" restart="never" nodeType="tmRoot"/>
+      </p:par>
+    </p:tnLst>
+  </p:timing>
 </p:sld>
 </file>
 
@@ -11159,7 +11208,7 @@
           <p:cNvPr id="4" name="그림 3">
             <a:extLst>
               <a:ext uri="{FF2B5EF4-FFF2-40B4-BE49-F238E27FC236}">
-                <a16:creationId xmlns:a16="http://schemas.microsoft.com/office/drawing/2014/main" id="{A51E00B1-A781-46DB-A48E-7B7D16FD0729}"/>
+                <a16:creationId xmlns:a16="http://schemas.microsoft.com/office/drawing/2014/main" xmlns="" id="{A51E00B1-A781-46DB-A48E-7B7D16FD0729}"/>
               </a:ext>
             </a:extLst>
           </p:cNvPr>
@@ -11194,6 +11243,13 @@
   <p:clrMapOvr>
     <a:masterClrMapping/>
   </p:clrMapOvr>
+  <p:timing>
+    <p:tnLst>
+      <p:par>
+        <p:cTn id="1" dur="indefinite" restart="never" nodeType="tmRoot"/>
+      </p:par>
+    </p:tnLst>
+  </p:timing>
 </p:sld>
 </file>
 
@@ -11219,7 +11275,7 @@
           <p:cNvPr id="4" name="그림 3">
             <a:extLst>
               <a:ext uri="{FF2B5EF4-FFF2-40B4-BE49-F238E27FC236}">
-                <a16:creationId xmlns:a16="http://schemas.microsoft.com/office/drawing/2014/main" id="{508A9A6E-E94B-404A-A3C1-8A3B02390ACE}"/>
+                <a16:creationId xmlns:a16="http://schemas.microsoft.com/office/drawing/2014/main" xmlns="" id="{508A9A6E-E94B-404A-A3C1-8A3B02390ACE}"/>
               </a:ext>
             </a:extLst>
           </p:cNvPr>
@@ -11254,6 +11310,13 @@
   <p:clrMapOvr>
     <a:masterClrMapping/>
   </p:clrMapOvr>
+  <p:timing>
+    <p:tnLst>
+      <p:par>
+        <p:cTn id="1" dur="indefinite" restart="never" nodeType="tmRoot"/>
+      </p:par>
+    </p:tnLst>
+  </p:timing>
 </p:sld>
 </file>
 
@@ -11279,7 +11342,7 @@
           <p:cNvPr id="2" name="제목 1">
             <a:extLst>
               <a:ext uri="{FF2B5EF4-FFF2-40B4-BE49-F238E27FC236}">
-                <a16:creationId xmlns:a16="http://schemas.microsoft.com/office/drawing/2014/main" id="{8E0C8806-EC21-4C27-AEED-87A4E125D7C6}"/>
+                <a16:creationId xmlns:a16="http://schemas.microsoft.com/office/drawing/2014/main" xmlns="" id="{8E0C8806-EC21-4C27-AEED-87A4E125D7C6}"/>
               </a:ext>
             </a:extLst>
           </p:cNvPr>
@@ -11307,7 +11370,7 @@
           <p:cNvPr id="4" name="그림 3">
             <a:extLst>
               <a:ext uri="{FF2B5EF4-FFF2-40B4-BE49-F238E27FC236}">
-                <a16:creationId xmlns:a16="http://schemas.microsoft.com/office/drawing/2014/main" id="{D67011A9-D13D-4672-8435-D028839282BB}"/>
+                <a16:creationId xmlns:a16="http://schemas.microsoft.com/office/drawing/2014/main" xmlns="" id="{D67011A9-D13D-4672-8435-D028839282BB}"/>
               </a:ext>
             </a:extLst>
           </p:cNvPr>
@@ -11337,7 +11400,7 @@
           <p:cNvPr id="5" name="타원 4">
             <a:extLst>
               <a:ext uri="{FF2B5EF4-FFF2-40B4-BE49-F238E27FC236}">
-                <a16:creationId xmlns:a16="http://schemas.microsoft.com/office/drawing/2014/main" id="{33AFB688-34E8-4DC3-90B7-99AFD5A33B51}"/>
+                <a16:creationId xmlns:a16="http://schemas.microsoft.com/office/drawing/2014/main" xmlns="" id="{33AFB688-34E8-4DC3-90B7-99AFD5A33B51}"/>
               </a:ext>
             </a:extLst>
           </p:cNvPr>
@@ -11384,7 +11447,7 @@
           <p:cNvPr id="6" name="TextBox 5">
             <a:extLst>
               <a:ext uri="{FF2B5EF4-FFF2-40B4-BE49-F238E27FC236}">
-                <a16:creationId xmlns:a16="http://schemas.microsoft.com/office/drawing/2014/main" id="{F8FD89EC-999E-4205-AEB7-D7DCE561DEF2}"/>
+                <a16:creationId xmlns:a16="http://schemas.microsoft.com/office/drawing/2014/main" xmlns="" id="{F8FD89EC-999E-4205-AEB7-D7DCE561DEF2}"/>
               </a:ext>
             </a:extLst>
           </p:cNvPr>
@@ -11443,6 +11506,13 @@
   <p:clrMapOvr>
     <a:masterClrMapping/>
   </p:clrMapOvr>
+  <p:timing>
+    <p:tnLst>
+      <p:par>
+        <p:cTn id="1" dur="indefinite" restart="never" nodeType="tmRoot"/>
+      </p:par>
+    </p:tnLst>
+  </p:timing>
 </p:sld>
 </file>
 
@@ -11468,7 +11538,7 @@
           <p:cNvPr id="4" name="그림 3">
             <a:extLst>
               <a:ext uri="{FF2B5EF4-FFF2-40B4-BE49-F238E27FC236}">
-                <a16:creationId xmlns:a16="http://schemas.microsoft.com/office/drawing/2014/main" id="{2FB6C378-3DEC-40BC-99F5-B890CF33B6E2}"/>
+                <a16:creationId xmlns:a16="http://schemas.microsoft.com/office/drawing/2014/main" xmlns="" id="{2FB6C378-3DEC-40BC-99F5-B890CF33B6E2}"/>
               </a:ext>
             </a:extLst>
           </p:cNvPr>
@@ -11503,7 +11573,7 @@
           <p:cNvPr id="5" name="타원 4">
             <a:extLst>
               <a:ext uri="{FF2B5EF4-FFF2-40B4-BE49-F238E27FC236}">
-                <a16:creationId xmlns:a16="http://schemas.microsoft.com/office/drawing/2014/main" id="{4D00E8D2-D3F4-4CA3-B011-8BFCD91A8C82}"/>
+                <a16:creationId xmlns:a16="http://schemas.microsoft.com/office/drawing/2014/main" xmlns="" id="{4D00E8D2-D3F4-4CA3-B011-8BFCD91A8C82}"/>
               </a:ext>
             </a:extLst>
           </p:cNvPr>
@@ -11550,7 +11620,7 @@
           <p:cNvPr id="6" name="TextBox 5">
             <a:extLst>
               <a:ext uri="{FF2B5EF4-FFF2-40B4-BE49-F238E27FC236}">
-                <a16:creationId xmlns:a16="http://schemas.microsoft.com/office/drawing/2014/main" id="{52F95387-FE2F-486A-809E-F3936D31B62E}"/>
+                <a16:creationId xmlns:a16="http://schemas.microsoft.com/office/drawing/2014/main" xmlns="" id="{52F95387-FE2F-486A-809E-F3936D31B62E}"/>
               </a:ext>
             </a:extLst>
           </p:cNvPr>
@@ -11632,6 +11702,13 @@
   <p:clrMapOvr>
     <a:masterClrMapping/>
   </p:clrMapOvr>
+  <p:timing>
+    <p:tnLst>
+      <p:par>
+        <p:cTn id="1" dur="indefinite" restart="never" nodeType="tmRoot"/>
+      </p:par>
+    </p:tnLst>
+  </p:timing>
 </p:sld>
 </file>
 
@@ -11654,10 +11731,82 @@
       </p:grpSpPr>
       <p:sp>
         <p:nvSpPr>
+          <p:cNvPr id="2" name="제목 1"/>
+          <p:cNvSpPr>
+            <a:spLocks noGrp="1"/>
+          </p:cNvSpPr>
+          <p:nvPr>
+            <p:ph type="title"/>
+          </p:nvPr>
+        </p:nvSpPr>
+        <p:spPr/>
+        <p:txBody>
+          <a:bodyPr/>
+          <a:lstStyle/>
+          <a:p>
+            <a:r>
+              <a:rPr lang="ko-KR" altLang="en-US" dirty="0" smtClean="0"/>
+              <a:t>사용방법</a:t>
+            </a:r>
+            <a:endParaRPr lang="ko-KR" altLang="en-US" dirty="0"/>
+          </a:p>
+        </p:txBody>
+      </p:sp>
+      <p:sp>
+        <p:nvSpPr>
+          <p:cNvPr id="3" name="내용 개체 틀 2"/>
+          <p:cNvSpPr>
+            <a:spLocks noGrp="1"/>
+          </p:cNvSpPr>
+          <p:nvPr>
+            <p:ph idx="1"/>
+          </p:nvPr>
+        </p:nvSpPr>
+        <p:spPr/>
+        <p:txBody>
+          <a:bodyPr/>
+          <a:lstStyle/>
+          <a:p>
+            <a:endParaRPr lang="ko-KR" altLang="en-US"/>
+          </a:p>
+        </p:txBody>
+      </p:sp>
+    </p:spTree>
+    <p:extLst>
+      <p:ext uri="{BB962C8B-B14F-4D97-AF65-F5344CB8AC3E}">
+        <p14:creationId xmlns:p14="http://schemas.microsoft.com/office/powerpoint/2010/main" val="166671568"/>
+      </p:ext>
+    </p:extLst>
+  </p:cSld>
+  <p:clrMapOvr>
+    <a:masterClrMapping/>
+  </p:clrMapOvr>
+</p:sld>
+</file>
+
+<file path=ppt/slides/slide2.xml><?xml version="1.0" encoding="utf-8"?>
+<p:sld xmlns:a="http://schemas.openxmlformats.org/drawingml/2006/main" xmlns:r="http://schemas.openxmlformats.org/officeDocument/2006/relationships" xmlns:p="http://schemas.openxmlformats.org/presentationml/2006/main">
+  <p:cSld>
+    <p:spTree>
+      <p:nvGrpSpPr>
+        <p:cNvPr id="1" name=""/>
+        <p:cNvGrpSpPr/>
+        <p:nvPr/>
+      </p:nvGrpSpPr>
+      <p:grpSpPr>
+        <a:xfrm>
+          <a:off x="0" y="0"/>
+          <a:ext cx="0" cy="0"/>
+          <a:chOff x="0" y="0"/>
+          <a:chExt cx="0" cy="0"/>
+        </a:xfrm>
+      </p:grpSpPr>
+      <p:sp>
+        <p:nvSpPr>
           <p:cNvPr id="2" name="제목 1">
             <a:extLst>
               <a:ext uri="{FF2B5EF4-FFF2-40B4-BE49-F238E27FC236}">
-                <a16:creationId xmlns:a16="http://schemas.microsoft.com/office/drawing/2014/main" id="{0BA4A3D1-7329-4749-A563-7A6B01DF34CA}"/>
+                <a16:creationId xmlns:a16="http://schemas.microsoft.com/office/drawing/2014/main" xmlns="" id="{6D5CC786-29E3-4DAB-8946-2DCC9B48D3B8}"/>
               </a:ext>
             </a:extLst>
           </p:cNvPr>
@@ -11675,6 +11824,119 @@
           <a:p>
             <a:r>
               <a:rPr lang="en-US" altLang="ko-KR" dirty="0"/>
+              <a:t>Goals of Source Control</a:t>
+            </a:r>
+            <a:endParaRPr lang="ko-KR" altLang="en-US" dirty="0"/>
+          </a:p>
+        </p:txBody>
+      </p:sp>
+      <p:sp>
+        <p:nvSpPr>
+          <p:cNvPr id="3" name="내용 개체 틀 2">
+            <a:extLst>
+              <a:ext uri="{FF2B5EF4-FFF2-40B4-BE49-F238E27FC236}">
+                <a16:creationId xmlns:a16="http://schemas.microsoft.com/office/drawing/2014/main" xmlns="" id="{39C19DEB-F0CE-4401-B054-A31224C0EC24}"/>
+              </a:ext>
+            </a:extLst>
+          </p:cNvPr>
+          <p:cNvSpPr>
+            <a:spLocks noGrp="1"/>
+          </p:cNvSpPr>
+          <p:nvPr>
+            <p:ph idx="1"/>
+          </p:nvPr>
+        </p:nvSpPr>
+        <p:spPr/>
+        <p:txBody>
+          <a:bodyPr/>
+          <a:lstStyle/>
+          <a:p>
+            <a:r>
+              <a:rPr lang="en-US" altLang="ko-KR" dirty="0"/>
+              <a:t>Versioning</a:t>
+            </a:r>
+          </a:p>
+          <a:p>
+            <a:r>
+              <a:rPr lang="en-US" altLang="ko-KR" dirty="0"/>
+              <a:t>Improve Development Process</a:t>
+            </a:r>
+          </a:p>
+          <a:p>
+            <a:r>
+              <a:rPr lang="en-US" altLang="ko-KR" dirty="0"/>
+              <a:t>Historical View</a:t>
+            </a:r>
+          </a:p>
+          <a:p>
+            <a:r>
+              <a:rPr lang="en-US" altLang="ko-KR" dirty="0"/>
+              <a:t>Work with a Team</a:t>
+            </a:r>
+            <a:endParaRPr lang="ko-KR" altLang="en-US" dirty="0"/>
+          </a:p>
+        </p:txBody>
+      </p:sp>
+    </p:spTree>
+    <p:extLst>
+      <p:ext uri="{BB962C8B-B14F-4D97-AF65-F5344CB8AC3E}">
+        <p14:creationId xmlns:p14="http://schemas.microsoft.com/office/powerpoint/2010/main" val="2603046057"/>
+      </p:ext>
+    </p:extLst>
+  </p:cSld>
+  <p:clrMapOvr>
+    <a:masterClrMapping/>
+  </p:clrMapOvr>
+  <p:timing>
+    <p:tnLst>
+      <p:par>
+        <p:cTn id="1" dur="indefinite" restart="never" nodeType="tmRoot"/>
+      </p:par>
+    </p:tnLst>
+  </p:timing>
+</p:sld>
+</file>
+
+<file path=ppt/slides/slide20.xml><?xml version="1.0" encoding="utf-8"?>
+<p:sld xmlns:a="http://schemas.openxmlformats.org/drawingml/2006/main" xmlns:r="http://schemas.openxmlformats.org/officeDocument/2006/relationships" xmlns:p="http://schemas.openxmlformats.org/presentationml/2006/main">
+  <p:cSld>
+    <p:spTree>
+      <p:nvGrpSpPr>
+        <p:cNvPr id="1" name=""/>
+        <p:cNvGrpSpPr/>
+        <p:nvPr/>
+      </p:nvGrpSpPr>
+      <p:grpSpPr>
+        <a:xfrm>
+          <a:off x="0" y="0"/>
+          <a:ext cx="0" cy="0"/>
+          <a:chOff x="0" y="0"/>
+          <a:chExt cx="0" cy="0"/>
+        </a:xfrm>
+      </p:grpSpPr>
+      <p:sp>
+        <p:nvSpPr>
+          <p:cNvPr id="2" name="제목 1">
+            <a:extLst>
+              <a:ext uri="{FF2B5EF4-FFF2-40B4-BE49-F238E27FC236}">
+                <a16:creationId xmlns:a16="http://schemas.microsoft.com/office/drawing/2014/main" xmlns="" id="{0BA4A3D1-7329-4749-A563-7A6B01DF34CA}"/>
+              </a:ext>
+            </a:extLst>
+          </p:cNvPr>
+          <p:cNvSpPr>
+            <a:spLocks noGrp="1"/>
+          </p:cNvSpPr>
+          <p:nvPr>
+            <p:ph type="title"/>
+          </p:nvPr>
+        </p:nvSpPr>
+        <p:spPr/>
+        <p:txBody>
+          <a:bodyPr/>
+          <a:lstStyle/>
+          <a:p>
+            <a:r>
+              <a:rPr lang="en-US" altLang="ko-KR" dirty="0"/>
               <a:t>GitHub.com </a:t>
             </a:r>
             <a:r>
@@ -11689,7 +11951,7 @@
           <p:cNvPr id="5" name="내용 개체 틀 4">
             <a:extLst>
               <a:ext uri="{FF2B5EF4-FFF2-40B4-BE49-F238E27FC236}">
-                <a16:creationId xmlns:a16="http://schemas.microsoft.com/office/drawing/2014/main" id="{AF6F6C82-DBA2-423F-A9A1-CCD0AA810023}"/>
+                <a16:creationId xmlns:a16="http://schemas.microsoft.com/office/drawing/2014/main" xmlns="" id="{AF6F6C82-DBA2-423F-A9A1-CCD0AA810023}"/>
               </a:ext>
             </a:extLst>
           </p:cNvPr>
@@ -11721,7 +11983,7 @@
           <p:cNvPr id="6" name="타원 5">
             <a:extLst>
               <a:ext uri="{FF2B5EF4-FFF2-40B4-BE49-F238E27FC236}">
-                <a16:creationId xmlns:a16="http://schemas.microsoft.com/office/drawing/2014/main" id="{E48C804D-199D-44B6-BA82-F8F95EFAEFDB}"/>
+                <a16:creationId xmlns:a16="http://schemas.microsoft.com/office/drawing/2014/main" xmlns="" id="{E48C804D-199D-44B6-BA82-F8F95EFAEFDB}"/>
               </a:ext>
             </a:extLst>
           </p:cNvPr>
@@ -11773,10 +12035,17 @@
   <p:clrMapOvr>
     <a:masterClrMapping/>
   </p:clrMapOvr>
+  <p:timing>
+    <p:tnLst>
+      <p:par>
+        <p:cTn id="1" dur="indefinite" restart="never" nodeType="tmRoot"/>
+      </p:par>
+    </p:tnLst>
+  </p:timing>
 </p:sld>
 </file>
 
-<file path=ppt/slides/slide2.xml><?xml version="1.0" encoding="utf-8"?>
+<file path=ppt/slides/slide21.xml><?xml version="1.0" encoding="utf-8"?>
 <p:sld xmlns:a="http://schemas.openxmlformats.org/drawingml/2006/main" xmlns:r="http://schemas.openxmlformats.org/officeDocument/2006/relationships" xmlns:p="http://schemas.openxmlformats.org/presentationml/2006/main">
   <p:cSld>
     <p:spTree>
@@ -11798,113 +12067,7 @@
           <p:cNvPr id="2" name="제목 1">
             <a:extLst>
               <a:ext uri="{FF2B5EF4-FFF2-40B4-BE49-F238E27FC236}">
-                <a16:creationId xmlns:a16="http://schemas.microsoft.com/office/drawing/2014/main" id="{6D5CC786-29E3-4DAB-8946-2DCC9B48D3B8}"/>
-              </a:ext>
-            </a:extLst>
-          </p:cNvPr>
-          <p:cNvSpPr>
-            <a:spLocks noGrp="1"/>
-          </p:cNvSpPr>
-          <p:nvPr>
-            <p:ph type="title"/>
-          </p:nvPr>
-        </p:nvSpPr>
-        <p:spPr/>
-        <p:txBody>
-          <a:bodyPr/>
-          <a:lstStyle/>
-          <a:p>
-            <a:r>
-              <a:rPr lang="en-US" altLang="ko-KR" dirty="0"/>
-              <a:t>Goals of Source Control</a:t>
-            </a:r>
-            <a:endParaRPr lang="ko-KR" altLang="en-US" dirty="0"/>
-          </a:p>
-        </p:txBody>
-      </p:sp>
-      <p:sp>
-        <p:nvSpPr>
-          <p:cNvPr id="3" name="내용 개체 틀 2">
-            <a:extLst>
-              <a:ext uri="{FF2B5EF4-FFF2-40B4-BE49-F238E27FC236}">
-                <a16:creationId xmlns:a16="http://schemas.microsoft.com/office/drawing/2014/main" id="{39C19DEB-F0CE-4401-B054-A31224C0EC24}"/>
-              </a:ext>
-            </a:extLst>
-          </p:cNvPr>
-          <p:cNvSpPr>
-            <a:spLocks noGrp="1"/>
-          </p:cNvSpPr>
-          <p:nvPr>
-            <p:ph idx="1"/>
-          </p:nvPr>
-        </p:nvSpPr>
-        <p:spPr/>
-        <p:txBody>
-          <a:bodyPr/>
-          <a:lstStyle/>
-          <a:p>
-            <a:r>
-              <a:rPr lang="en-US" altLang="ko-KR" dirty="0"/>
-              <a:t>Versioning</a:t>
-            </a:r>
-          </a:p>
-          <a:p>
-            <a:r>
-              <a:rPr lang="en-US" altLang="ko-KR" dirty="0"/>
-              <a:t>Improve Development Process</a:t>
-            </a:r>
-          </a:p>
-          <a:p>
-            <a:r>
-              <a:rPr lang="en-US" altLang="ko-KR" dirty="0"/>
-              <a:t>Historical View</a:t>
-            </a:r>
-          </a:p>
-          <a:p>
-            <a:r>
-              <a:rPr lang="en-US" altLang="ko-KR" dirty="0"/>
-              <a:t>Work with a Team</a:t>
-            </a:r>
-            <a:endParaRPr lang="ko-KR" altLang="en-US" dirty="0"/>
-          </a:p>
-        </p:txBody>
-      </p:sp>
-    </p:spTree>
-    <p:extLst>
-      <p:ext uri="{BB962C8B-B14F-4D97-AF65-F5344CB8AC3E}">
-        <p14:creationId xmlns:p14="http://schemas.microsoft.com/office/powerpoint/2010/main" val="2603046057"/>
-      </p:ext>
-    </p:extLst>
-  </p:cSld>
-  <p:clrMapOvr>
-    <a:masterClrMapping/>
-  </p:clrMapOvr>
-</p:sld>
-</file>
-
-<file path=ppt/slides/slide20.xml><?xml version="1.0" encoding="utf-8"?>
-<p:sld xmlns:a="http://schemas.openxmlformats.org/drawingml/2006/main" xmlns:r="http://schemas.openxmlformats.org/officeDocument/2006/relationships" xmlns:p="http://schemas.openxmlformats.org/presentationml/2006/main">
-  <p:cSld>
-    <p:spTree>
-      <p:nvGrpSpPr>
-        <p:cNvPr id="1" name=""/>
-        <p:cNvGrpSpPr/>
-        <p:nvPr/>
-      </p:nvGrpSpPr>
-      <p:grpSpPr>
-        <a:xfrm>
-          <a:off x="0" y="0"/>
-          <a:ext cx="0" cy="0"/>
-          <a:chOff x="0" y="0"/>
-          <a:chExt cx="0" cy="0"/>
-        </a:xfrm>
-      </p:grpSpPr>
-      <p:sp>
-        <p:nvSpPr>
-          <p:cNvPr id="2" name="제목 1">
-            <a:extLst>
-              <a:ext uri="{FF2B5EF4-FFF2-40B4-BE49-F238E27FC236}">
-                <a16:creationId xmlns:a16="http://schemas.microsoft.com/office/drawing/2014/main" id="{32537415-38C4-463A-90CC-79489C2DFA76}"/>
+                <a16:creationId xmlns:a16="http://schemas.microsoft.com/office/drawing/2014/main" xmlns="" id="{32537415-38C4-463A-90CC-79489C2DFA76}"/>
               </a:ext>
             </a:extLst>
           </p:cNvPr>
@@ -11944,7 +12107,7 @@
           <p:cNvPr id="4" name="내용 개체 틀 3">
             <a:extLst>
               <a:ext uri="{FF2B5EF4-FFF2-40B4-BE49-F238E27FC236}">
-                <a16:creationId xmlns:a16="http://schemas.microsoft.com/office/drawing/2014/main" id="{1A166BEC-1AC7-4469-87BA-98E2498DA401}"/>
+                <a16:creationId xmlns:a16="http://schemas.microsoft.com/office/drawing/2014/main" xmlns="" id="{1A166BEC-1AC7-4469-87BA-98E2498DA401}"/>
               </a:ext>
             </a:extLst>
           </p:cNvPr>
@@ -11976,7 +12139,7 @@
           <p:cNvPr id="5" name="타원 4">
             <a:extLst>
               <a:ext uri="{FF2B5EF4-FFF2-40B4-BE49-F238E27FC236}">
-                <a16:creationId xmlns:a16="http://schemas.microsoft.com/office/drawing/2014/main" id="{97477AC3-487E-4FD3-929B-BA50BFDBC32C}"/>
+                <a16:creationId xmlns:a16="http://schemas.microsoft.com/office/drawing/2014/main" xmlns="" id="{97477AC3-487E-4FD3-929B-BA50BFDBC32C}"/>
               </a:ext>
             </a:extLst>
           </p:cNvPr>
@@ -12023,7 +12186,7 @@
           <p:cNvPr id="6" name="타원 5">
             <a:extLst>
               <a:ext uri="{FF2B5EF4-FFF2-40B4-BE49-F238E27FC236}">
-                <a16:creationId xmlns:a16="http://schemas.microsoft.com/office/drawing/2014/main" id="{DACDB6FE-46CE-498E-B14D-2F3B67E62C4B}"/>
+                <a16:creationId xmlns:a16="http://schemas.microsoft.com/office/drawing/2014/main" xmlns="" id="{DACDB6FE-46CE-498E-B14D-2F3B67E62C4B}"/>
               </a:ext>
             </a:extLst>
           </p:cNvPr>
@@ -12070,7 +12233,7 @@
           <p:cNvPr id="7" name="TextBox 6">
             <a:extLst>
               <a:ext uri="{FF2B5EF4-FFF2-40B4-BE49-F238E27FC236}">
-                <a16:creationId xmlns:a16="http://schemas.microsoft.com/office/drawing/2014/main" id="{9565F764-F59C-4E4D-B0BB-7D2315094802}"/>
+                <a16:creationId xmlns:a16="http://schemas.microsoft.com/office/drawing/2014/main" xmlns="" id="{9565F764-F59C-4E4D-B0BB-7D2315094802}"/>
               </a:ext>
             </a:extLst>
           </p:cNvPr>
@@ -12115,10 +12278,17 @@
   <p:clrMapOvr>
     <a:masterClrMapping/>
   </p:clrMapOvr>
+  <p:timing>
+    <p:tnLst>
+      <p:par>
+        <p:cTn id="1" dur="indefinite" restart="never" nodeType="tmRoot"/>
+      </p:par>
+    </p:tnLst>
+  </p:timing>
 </p:sld>
 </file>
 
-<file path=ppt/slides/slide21.xml><?xml version="1.0" encoding="utf-8"?>
+<file path=ppt/slides/slide22.xml><?xml version="1.0" encoding="utf-8"?>
 <p:sld xmlns:a="http://schemas.openxmlformats.org/drawingml/2006/main" xmlns:r="http://schemas.openxmlformats.org/officeDocument/2006/relationships" xmlns:p="http://schemas.openxmlformats.org/presentationml/2006/main">
   <p:cSld>
     <p:spTree>
@@ -12140,7 +12310,7 @@
           <p:cNvPr id="2" name="제목 1">
             <a:extLst>
               <a:ext uri="{FF2B5EF4-FFF2-40B4-BE49-F238E27FC236}">
-                <a16:creationId xmlns:a16="http://schemas.microsoft.com/office/drawing/2014/main" id="{E5DA0E80-88B0-4BCB-A756-F2A8AB618137}"/>
+                <a16:creationId xmlns:a16="http://schemas.microsoft.com/office/drawing/2014/main" xmlns="" id="{E5DA0E80-88B0-4BCB-A756-F2A8AB618137}"/>
               </a:ext>
             </a:extLst>
           </p:cNvPr>
@@ -12165,7 +12335,7 @@
           <p:cNvPr id="4" name="그림 3">
             <a:extLst>
               <a:ext uri="{FF2B5EF4-FFF2-40B4-BE49-F238E27FC236}">
-                <a16:creationId xmlns:a16="http://schemas.microsoft.com/office/drawing/2014/main" id="{989F489C-4D5C-4EC8-A7FF-4492ED12BCB4}"/>
+                <a16:creationId xmlns:a16="http://schemas.microsoft.com/office/drawing/2014/main" xmlns="" id="{989F489C-4D5C-4EC8-A7FF-4492ED12BCB4}"/>
               </a:ext>
             </a:extLst>
           </p:cNvPr>
@@ -12195,7 +12365,7 @@
           <p:cNvPr id="5" name="타원 4">
             <a:extLst>
               <a:ext uri="{FF2B5EF4-FFF2-40B4-BE49-F238E27FC236}">
-                <a16:creationId xmlns:a16="http://schemas.microsoft.com/office/drawing/2014/main" id="{9CD7F3B2-0C9B-40DF-BC22-59934D9045DC}"/>
+                <a16:creationId xmlns:a16="http://schemas.microsoft.com/office/drawing/2014/main" xmlns="" id="{9CD7F3B2-0C9B-40DF-BC22-59934D9045DC}"/>
               </a:ext>
             </a:extLst>
           </p:cNvPr>
@@ -12242,7 +12412,7 @@
           <p:cNvPr id="6" name="타원 5">
             <a:extLst>
               <a:ext uri="{FF2B5EF4-FFF2-40B4-BE49-F238E27FC236}">
-                <a16:creationId xmlns:a16="http://schemas.microsoft.com/office/drawing/2014/main" id="{2ED54F8A-3AAA-41DF-AEC4-5A55B02698F5}"/>
+                <a16:creationId xmlns:a16="http://schemas.microsoft.com/office/drawing/2014/main" xmlns="" id="{2ED54F8A-3AAA-41DF-AEC4-5A55B02698F5}"/>
               </a:ext>
             </a:extLst>
           </p:cNvPr>
@@ -12289,7 +12459,7 @@
           <p:cNvPr id="7" name="타원 6">
             <a:extLst>
               <a:ext uri="{FF2B5EF4-FFF2-40B4-BE49-F238E27FC236}">
-                <a16:creationId xmlns:a16="http://schemas.microsoft.com/office/drawing/2014/main" id="{6BCBA167-C1DB-47C8-8D71-0D4C7B92E079}"/>
+                <a16:creationId xmlns:a16="http://schemas.microsoft.com/office/drawing/2014/main" xmlns="" id="{6BCBA167-C1DB-47C8-8D71-0D4C7B92E079}"/>
               </a:ext>
             </a:extLst>
           </p:cNvPr>
@@ -12336,7 +12506,7 @@
           <p:cNvPr id="9" name="직선 화살표 연결선 8">
             <a:extLst>
               <a:ext uri="{FF2B5EF4-FFF2-40B4-BE49-F238E27FC236}">
-                <a16:creationId xmlns:a16="http://schemas.microsoft.com/office/drawing/2014/main" id="{52469DE5-A04E-43FC-9690-1525FACC6A64}"/>
+                <a16:creationId xmlns:a16="http://schemas.microsoft.com/office/drawing/2014/main" xmlns="" id="{52469DE5-A04E-43FC-9690-1525FACC6A64}"/>
               </a:ext>
             </a:extLst>
           </p:cNvPr>
@@ -12377,7 +12547,7 @@
           <p:cNvPr id="10" name="TextBox 9">
             <a:extLst>
               <a:ext uri="{FF2B5EF4-FFF2-40B4-BE49-F238E27FC236}">
-                <a16:creationId xmlns:a16="http://schemas.microsoft.com/office/drawing/2014/main" id="{B621C14B-EC72-4C88-A878-83A36AE29281}"/>
+                <a16:creationId xmlns:a16="http://schemas.microsoft.com/office/drawing/2014/main" xmlns="" id="{B621C14B-EC72-4C88-A878-83A36AE29281}"/>
               </a:ext>
             </a:extLst>
           </p:cNvPr>
@@ -12421,6 +12591,13 @@
   <p:clrMapOvr>
     <a:masterClrMapping/>
   </p:clrMapOvr>
+  <p:timing>
+    <p:tnLst>
+      <p:par>
+        <p:cTn id="1" dur="indefinite" restart="never" nodeType="tmRoot"/>
+      </p:par>
+    </p:tnLst>
+  </p:timing>
 </p:sld>
 </file>
 
@@ -12446,7 +12623,7 @@
           <p:cNvPr id="2" name="제목 1">
             <a:extLst>
               <a:ext uri="{FF2B5EF4-FFF2-40B4-BE49-F238E27FC236}">
-                <a16:creationId xmlns:a16="http://schemas.microsoft.com/office/drawing/2014/main" id="{5A950FFC-A004-417D-9B1D-638889122D89}"/>
+                <a16:creationId xmlns:a16="http://schemas.microsoft.com/office/drawing/2014/main" xmlns="" id="{5A950FFC-A004-417D-9B1D-638889122D89}"/>
               </a:ext>
             </a:extLst>
           </p:cNvPr>
@@ -12478,7 +12655,7 @@
           <p:cNvPr id="3" name="내용 개체 틀 2">
             <a:extLst>
               <a:ext uri="{FF2B5EF4-FFF2-40B4-BE49-F238E27FC236}">
-                <a16:creationId xmlns:a16="http://schemas.microsoft.com/office/drawing/2014/main" id="{9DF7E1F1-32B4-44AC-8A2D-B2385DD0F5F6}"/>
+                <a16:creationId xmlns:a16="http://schemas.microsoft.com/office/drawing/2014/main" xmlns="" id="{9DF7E1F1-32B4-44AC-8A2D-B2385DD0F5F6}"/>
               </a:ext>
             </a:extLst>
           </p:cNvPr>
@@ -12603,6 +12780,13 @@
   <p:clrMapOvr>
     <a:masterClrMapping/>
   </p:clrMapOvr>
+  <p:timing>
+    <p:tnLst>
+      <p:par>
+        <p:cTn id="1" dur="indefinite" restart="never" nodeType="tmRoot"/>
+      </p:par>
+    </p:tnLst>
+  </p:timing>
 </p:sld>
 </file>
 
@@ -12628,7 +12812,7 @@
           <p:cNvPr id="2" name="제목 1">
             <a:extLst>
               <a:ext uri="{FF2B5EF4-FFF2-40B4-BE49-F238E27FC236}">
-                <a16:creationId xmlns:a16="http://schemas.microsoft.com/office/drawing/2014/main" id="{73760FAE-CA3B-41D7-87F5-AE0C25DDBD31}"/>
+                <a16:creationId xmlns:a16="http://schemas.microsoft.com/office/drawing/2014/main" xmlns="" id="{73760FAE-CA3B-41D7-87F5-AE0C25DDBD31}"/>
               </a:ext>
             </a:extLst>
           </p:cNvPr>
@@ -12660,7 +12844,7 @@
           <p:cNvPr id="3" name="내용 개체 틀 2">
             <a:extLst>
               <a:ext uri="{FF2B5EF4-FFF2-40B4-BE49-F238E27FC236}">
-                <a16:creationId xmlns:a16="http://schemas.microsoft.com/office/drawing/2014/main" id="{50A4395E-DBB7-4C7F-8C05-A3696B004CF1}"/>
+                <a16:creationId xmlns:a16="http://schemas.microsoft.com/office/drawing/2014/main" xmlns="" id="{50A4395E-DBB7-4C7F-8C05-A3696B004CF1}"/>
               </a:ext>
             </a:extLst>
           </p:cNvPr>
@@ -12685,7 +12869,7 @@
           <p:cNvPr id="4" name="그림 3">
             <a:extLst>
               <a:ext uri="{FF2B5EF4-FFF2-40B4-BE49-F238E27FC236}">
-                <a16:creationId xmlns:a16="http://schemas.microsoft.com/office/drawing/2014/main" id="{16165A1B-B0FB-4612-B471-7F2C99195814}"/>
+                <a16:creationId xmlns:a16="http://schemas.microsoft.com/office/drawing/2014/main" xmlns="" id="{16165A1B-B0FB-4612-B471-7F2C99195814}"/>
               </a:ext>
             </a:extLst>
           </p:cNvPr>
@@ -12720,6 +12904,13 @@
   <p:clrMapOvr>
     <a:masterClrMapping/>
   </p:clrMapOvr>
+  <p:timing>
+    <p:tnLst>
+      <p:par>
+        <p:cTn id="1" dur="indefinite" restart="never" nodeType="tmRoot"/>
+      </p:par>
+    </p:tnLst>
+  </p:timing>
 </p:sld>
 </file>
 
@@ -12745,7 +12936,7 @@
           <p:cNvPr id="2" name="제목 1">
             <a:extLst>
               <a:ext uri="{FF2B5EF4-FFF2-40B4-BE49-F238E27FC236}">
-                <a16:creationId xmlns:a16="http://schemas.microsoft.com/office/drawing/2014/main" id="{645197F5-2A58-43E6-8CFC-41AE97938D9D}"/>
+                <a16:creationId xmlns:a16="http://schemas.microsoft.com/office/drawing/2014/main" xmlns="" id="{645197F5-2A58-43E6-8CFC-41AE97938D9D}"/>
               </a:ext>
             </a:extLst>
           </p:cNvPr>
@@ -12778,7 +12969,7 @@
           <p:cNvPr id="3" name="내용 개체 틀 2">
             <a:extLst>
               <a:ext uri="{FF2B5EF4-FFF2-40B4-BE49-F238E27FC236}">
-                <a16:creationId xmlns:a16="http://schemas.microsoft.com/office/drawing/2014/main" id="{DE156BEC-77B0-40DE-9335-9BA0FC01A05D}"/>
+                <a16:creationId xmlns:a16="http://schemas.microsoft.com/office/drawing/2014/main" xmlns="" id="{DE156BEC-77B0-40DE-9335-9BA0FC01A05D}"/>
               </a:ext>
             </a:extLst>
           </p:cNvPr>
@@ -12803,7 +12994,7 @@
           <p:cNvPr id="4" name="그림 3">
             <a:extLst>
               <a:ext uri="{FF2B5EF4-FFF2-40B4-BE49-F238E27FC236}">
-                <a16:creationId xmlns:a16="http://schemas.microsoft.com/office/drawing/2014/main" id="{18B613B1-B228-48E1-81DE-18361B869560}"/>
+                <a16:creationId xmlns:a16="http://schemas.microsoft.com/office/drawing/2014/main" xmlns="" id="{18B613B1-B228-48E1-81DE-18361B869560}"/>
               </a:ext>
             </a:extLst>
           </p:cNvPr>
@@ -12833,7 +13024,7 @@
           <p:cNvPr id="5" name="타원 4">
             <a:extLst>
               <a:ext uri="{FF2B5EF4-FFF2-40B4-BE49-F238E27FC236}">
-                <a16:creationId xmlns:a16="http://schemas.microsoft.com/office/drawing/2014/main" id="{B3B57BD6-73A1-4B62-8C8E-02C1EFF17210}"/>
+                <a16:creationId xmlns:a16="http://schemas.microsoft.com/office/drawing/2014/main" xmlns="" id="{B3B57BD6-73A1-4B62-8C8E-02C1EFF17210}"/>
               </a:ext>
             </a:extLst>
           </p:cNvPr>
@@ -12885,6 +13076,13 @@
   <p:clrMapOvr>
     <a:masterClrMapping/>
   </p:clrMapOvr>
+  <p:timing>
+    <p:tnLst>
+      <p:par>
+        <p:cTn id="1" dur="indefinite" restart="never" nodeType="tmRoot"/>
+      </p:par>
+    </p:tnLst>
+  </p:timing>
 </p:sld>
 </file>
 
@@ -12910,7 +13108,7 @@
           <p:cNvPr id="3" name="내용 개체 틀 2">
             <a:extLst>
               <a:ext uri="{FF2B5EF4-FFF2-40B4-BE49-F238E27FC236}">
-                <a16:creationId xmlns:a16="http://schemas.microsoft.com/office/drawing/2014/main" id="{DEE76476-82A8-4BF4-BEB3-593350E0675A}"/>
+                <a16:creationId xmlns:a16="http://schemas.microsoft.com/office/drawing/2014/main" xmlns="" id="{DEE76476-82A8-4BF4-BEB3-593350E0675A}"/>
               </a:ext>
             </a:extLst>
           </p:cNvPr>
@@ -12935,7 +13133,7 @@
           <p:cNvPr id="4" name="그림 3">
             <a:extLst>
               <a:ext uri="{FF2B5EF4-FFF2-40B4-BE49-F238E27FC236}">
-                <a16:creationId xmlns:a16="http://schemas.microsoft.com/office/drawing/2014/main" id="{30745C94-E518-4855-8F27-BDA51EF45893}"/>
+                <a16:creationId xmlns:a16="http://schemas.microsoft.com/office/drawing/2014/main" xmlns="" id="{30745C94-E518-4855-8F27-BDA51EF45893}"/>
               </a:ext>
             </a:extLst>
           </p:cNvPr>
@@ -12965,7 +13163,7 @@
           <p:cNvPr id="5" name="타원 4">
             <a:extLst>
               <a:ext uri="{FF2B5EF4-FFF2-40B4-BE49-F238E27FC236}">
-                <a16:creationId xmlns:a16="http://schemas.microsoft.com/office/drawing/2014/main" id="{738B38E5-7ED9-489B-B0D6-7BFB69A13C3D}"/>
+                <a16:creationId xmlns:a16="http://schemas.microsoft.com/office/drawing/2014/main" xmlns="" id="{738B38E5-7ED9-489B-B0D6-7BFB69A13C3D}"/>
               </a:ext>
             </a:extLst>
           </p:cNvPr>
@@ -13012,7 +13210,7 @@
           <p:cNvPr id="7" name="직선 화살표 연결선 6">
             <a:extLst>
               <a:ext uri="{FF2B5EF4-FFF2-40B4-BE49-F238E27FC236}">
-                <a16:creationId xmlns:a16="http://schemas.microsoft.com/office/drawing/2014/main" id="{5E6F5B2E-AAE5-4F01-9246-F2DBAB866389}"/>
+                <a16:creationId xmlns:a16="http://schemas.microsoft.com/office/drawing/2014/main" xmlns="" id="{5E6F5B2E-AAE5-4F01-9246-F2DBAB866389}"/>
               </a:ext>
             </a:extLst>
           </p:cNvPr>
@@ -13051,7 +13249,7 @@
           <p:cNvPr id="8" name="TextBox 7">
             <a:extLst>
               <a:ext uri="{FF2B5EF4-FFF2-40B4-BE49-F238E27FC236}">
-                <a16:creationId xmlns:a16="http://schemas.microsoft.com/office/drawing/2014/main" id="{F0A092AE-0A57-4FA8-93EF-D3B85E9F4F2E}"/>
+                <a16:creationId xmlns:a16="http://schemas.microsoft.com/office/drawing/2014/main" xmlns="" id="{F0A092AE-0A57-4FA8-93EF-D3B85E9F4F2E}"/>
               </a:ext>
             </a:extLst>
           </p:cNvPr>
@@ -13103,7 +13301,7 @@
           <p:cNvPr id="9" name="타원 8">
             <a:extLst>
               <a:ext uri="{FF2B5EF4-FFF2-40B4-BE49-F238E27FC236}">
-                <a16:creationId xmlns:a16="http://schemas.microsoft.com/office/drawing/2014/main" id="{73CBEAF8-207A-4417-A137-E282698D43EB}"/>
+                <a16:creationId xmlns:a16="http://schemas.microsoft.com/office/drawing/2014/main" xmlns="" id="{73CBEAF8-207A-4417-A137-E282698D43EB}"/>
               </a:ext>
             </a:extLst>
           </p:cNvPr>
@@ -13150,7 +13348,7 @@
           <p:cNvPr id="11" name="직선 화살표 연결선 10">
             <a:extLst>
               <a:ext uri="{FF2B5EF4-FFF2-40B4-BE49-F238E27FC236}">
-                <a16:creationId xmlns:a16="http://schemas.microsoft.com/office/drawing/2014/main" id="{6592F23A-AC25-41BE-A0DA-E9189366AD4A}"/>
+                <a16:creationId xmlns:a16="http://schemas.microsoft.com/office/drawing/2014/main" xmlns="" id="{6592F23A-AC25-41BE-A0DA-E9189366AD4A}"/>
               </a:ext>
             </a:extLst>
           </p:cNvPr>
@@ -13189,7 +13387,7 @@
           <p:cNvPr id="12" name="TextBox 11">
             <a:extLst>
               <a:ext uri="{FF2B5EF4-FFF2-40B4-BE49-F238E27FC236}">
-                <a16:creationId xmlns:a16="http://schemas.microsoft.com/office/drawing/2014/main" id="{959DF414-0F8A-448E-93DC-92E3ECEECC7A}"/>
+                <a16:creationId xmlns:a16="http://schemas.microsoft.com/office/drawing/2014/main" xmlns="" id="{959DF414-0F8A-448E-93DC-92E3ECEECC7A}"/>
               </a:ext>
             </a:extLst>
           </p:cNvPr>
@@ -13247,6 +13445,13 @@
   <p:clrMapOvr>
     <a:masterClrMapping/>
   </p:clrMapOvr>
+  <p:timing>
+    <p:tnLst>
+      <p:par>
+        <p:cTn id="1" dur="indefinite" restart="never" nodeType="tmRoot"/>
+      </p:par>
+    </p:tnLst>
+  </p:timing>
 </p:sld>
 </file>
 
@@ -13272,7 +13477,7 @@
           <p:cNvPr id="2" name="제목 1">
             <a:extLst>
               <a:ext uri="{FF2B5EF4-FFF2-40B4-BE49-F238E27FC236}">
-                <a16:creationId xmlns:a16="http://schemas.microsoft.com/office/drawing/2014/main" id="{6D4BC096-56F1-4DC9-B351-79BCDBAB8DBB}"/>
+                <a16:creationId xmlns:a16="http://schemas.microsoft.com/office/drawing/2014/main" xmlns="" id="{6D4BC096-56F1-4DC9-B351-79BCDBAB8DBB}"/>
               </a:ext>
             </a:extLst>
           </p:cNvPr>
@@ -13301,7 +13506,7 @@
           <p:cNvPr id="9" name="그림 8">
             <a:extLst>
               <a:ext uri="{FF2B5EF4-FFF2-40B4-BE49-F238E27FC236}">
-                <a16:creationId xmlns:a16="http://schemas.microsoft.com/office/drawing/2014/main" id="{394C0D1E-0D90-419D-ADF9-973EDBA30E0E}"/>
+                <a16:creationId xmlns:a16="http://schemas.microsoft.com/office/drawing/2014/main" xmlns="" id="{394C0D1E-0D90-419D-ADF9-973EDBA30E0E}"/>
               </a:ext>
             </a:extLst>
           </p:cNvPr>
@@ -13336,6 +13541,13 @@
   <p:clrMapOvr>
     <a:masterClrMapping/>
   </p:clrMapOvr>
+  <p:timing>
+    <p:tnLst>
+      <p:par>
+        <p:cTn id="1" dur="indefinite" restart="never" nodeType="tmRoot"/>
+      </p:par>
+    </p:tnLst>
+  </p:timing>
 </p:sld>
 </file>
 
@@ -13361,7 +13573,7 @@
           <p:cNvPr id="2" name="제목 1">
             <a:extLst>
               <a:ext uri="{FF2B5EF4-FFF2-40B4-BE49-F238E27FC236}">
-                <a16:creationId xmlns:a16="http://schemas.microsoft.com/office/drawing/2014/main" id="{0276BAB5-0831-4700-9A98-C73E5C8A2768}"/>
+                <a16:creationId xmlns:a16="http://schemas.microsoft.com/office/drawing/2014/main" xmlns="" id="{0276BAB5-0831-4700-9A98-C73E5C8A2768}"/>
               </a:ext>
             </a:extLst>
           </p:cNvPr>
@@ -13390,7 +13602,7 @@
           <p:cNvPr id="5" name="내용 개체 틀 4">
             <a:extLst>
               <a:ext uri="{FF2B5EF4-FFF2-40B4-BE49-F238E27FC236}">
-                <a16:creationId xmlns:a16="http://schemas.microsoft.com/office/drawing/2014/main" id="{016E6340-2A32-49A1-A453-8A29AC3C9A3D}"/>
+                <a16:creationId xmlns:a16="http://schemas.microsoft.com/office/drawing/2014/main" xmlns="" id="{016E6340-2A32-49A1-A453-8A29AC3C9A3D}"/>
               </a:ext>
             </a:extLst>
           </p:cNvPr>
@@ -13421,7 +13633,7 @@
           <p:cNvPr id="6" name="타원 5">
             <a:extLst>
               <a:ext uri="{FF2B5EF4-FFF2-40B4-BE49-F238E27FC236}">
-                <a16:creationId xmlns:a16="http://schemas.microsoft.com/office/drawing/2014/main" id="{01BE28B9-06B4-43EA-87FC-B7487F4680F6}"/>
+                <a16:creationId xmlns:a16="http://schemas.microsoft.com/office/drawing/2014/main" xmlns="" id="{01BE28B9-06B4-43EA-87FC-B7487F4680F6}"/>
               </a:ext>
             </a:extLst>
           </p:cNvPr>
@@ -13468,7 +13680,7 @@
           <p:cNvPr id="8" name="직선 화살표 연결선 7">
             <a:extLst>
               <a:ext uri="{FF2B5EF4-FFF2-40B4-BE49-F238E27FC236}">
-                <a16:creationId xmlns:a16="http://schemas.microsoft.com/office/drawing/2014/main" id="{E960CDC0-AF83-4755-809B-E474D1004C7A}"/>
+                <a16:creationId xmlns:a16="http://schemas.microsoft.com/office/drawing/2014/main" xmlns="" id="{E960CDC0-AF83-4755-809B-E474D1004C7A}"/>
               </a:ext>
             </a:extLst>
           </p:cNvPr>
@@ -13507,7 +13719,7 @@
           <p:cNvPr id="9" name="TextBox 8">
             <a:extLst>
               <a:ext uri="{FF2B5EF4-FFF2-40B4-BE49-F238E27FC236}">
-                <a16:creationId xmlns:a16="http://schemas.microsoft.com/office/drawing/2014/main" id="{2AF39973-BE72-4754-82E2-D3D0077CA33B}"/>
+                <a16:creationId xmlns:a16="http://schemas.microsoft.com/office/drawing/2014/main" xmlns="" id="{2AF39973-BE72-4754-82E2-D3D0077CA33B}"/>
               </a:ext>
             </a:extLst>
           </p:cNvPr>
@@ -13556,6 +13768,13 @@
   <p:clrMapOvr>
     <a:masterClrMapping/>
   </p:clrMapOvr>
+  <p:timing>
+    <p:tnLst>
+      <p:par>
+        <p:cTn id="1" dur="indefinite" restart="never" nodeType="tmRoot"/>
+      </p:par>
+    </p:tnLst>
+  </p:timing>
 </p:sld>
 </file>
 
@@ -13581,7 +13800,7 @@
           <p:cNvPr id="2" name="제목 1">
             <a:extLst>
               <a:ext uri="{FF2B5EF4-FFF2-40B4-BE49-F238E27FC236}">
-                <a16:creationId xmlns:a16="http://schemas.microsoft.com/office/drawing/2014/main" id="{2A048891-DF47-4731-9D52-A89AF231C25F}"/>
+                <a16:creationId xmlns:a16="http://schemas.microsoft.com/office/drawing/2014/main" xmlns="" id="{2A048891-DF47-4731-9D52-A89AF231C25F}"/>
               </a:ext>
             </a:extLst>
           </p:cNvPr>
@@ -13610,7 +13829,7 @@
           <p:cNvPr id="4" name="내용 개체 틀 3">
             <a:extLst>
               <a:ext uri="{FF2B5EF4-FFF2-40B4-BE49-F238E27FC236}">
-                <a16:creationId xmlns:a16="http://schemas.microsoft.com/office/drawing/2014/main" id="{E904D466-3B31-4DAD-8DC1-16EAAC82AF06}"/>
+                <a16:creationId xmlns:a16="http://schemas.microsoft.com/office/drawing/2014/main" xmlns="" id="{E904D466-3B31-4DAD-8DC1-16EAAC82AF06}"/>
               </a:ext>
             </a:extLst>
           </p:cNvPr>
@@ -13646,6 +13865,13 @@
   <p:clrMapOvr>
     <a:masterClrMapping/>
   </p:clrMapOvr>
+  <p:timing>
+    <p:tnLst>
+      <p:par>
+        <p:cTn id="1" dur="indefinite" restart="never" nodeType="tmRoot"/>
+      </p:par>
+    </p:tnLst>
+  </p:timing>
 </p:sld>
 </file>
 
